--- a/_Project-Proposal.pptx
+++ b/_Project-Proposal.pptx
@@ -1,6 +1,6 @@
 
 <file path=ppt/presentation.xml><?xml version="1.0" encoding="utf-8"?>
-<p:presentation xmlns:a="http://schemas.openxmlformats.org/drawingml/2006/main" xmlns:p="http://schemas.openxmlformats.org/presentationml/2006/main" xmlns:r="http://schemas.openxmlformats.org/officeDocument/2006/relationships" autoCompressPictures="0" saveSubsetFonts="1">
+<p:presentation xmlns:a="http://schemas.openxmlformats.org/drawingml/2006/main" xmlns:r="http://schemas.openxmlformats.org/officeDocument/2006/relationships" xmlns:p="http://schemas.openxmlformats.org/presentationml/2006/main" saveSubsetFonts="1" autoCompressPictures="0">
   <p:sldMasterIdLst>
     <p:sldMasterId id="2147483648" r:id="rId1"/>
   </p:sldMasterIdLst>
@@ -18,7 +18,6 @@
     <p:sldId id="266" r:id="rId12"/>
     <p:sldId id="267" r:id="rId13"/>
     <p:sldId id="268" r:id="rId14"/>
-    <p:sldId id="269" r:id="rId15"/>
   </p:sldIdLst>
   <p:sldSz cx="9144000" cy="5143500" type="screen16x9"/>
   <p:notesSz cx="6858000" cy="9144000"/>
@@ -26,8 +25,8 @@
     <a:defPPr>
       <a:defRPr lang="en-US"/>
     </a:defPPr>
-    <a:lvl1pPr algn="l" defTabSz="457200" eaLnBrk="1" hangingPunct="1" latinLnBrk="0" marL="0" rtl="0">
-      <a:defRPr kern="1200" sz="1800">
+    <a:lvl1pPr marL="0" algn="l" defTabSz="457200" rtl="0" eaLnBrk="1" latinLnBrk="0" hangingPunct="1">
+      <a:defRPr sz="1800" kern="1200">
         <a:solidFill>
           <a:schemeClr val="tx1"/>
         </a:solidFill>
@@ -36,8 +35,8 @@
         <a:cs typeface="+mn-cs"/>
       </a:defRPr>
     </a:lvl1pPr>
-    <a:lvl2pPr algn="l" defTabSz="457200" eaLnBrk="1" hangingPunct="1" latinLnBrk="0" marL="457200" rtl="0">
-      <a:defRPr kern="1200" sz="1800">
+    <a:lvl2pPr marL="457200" algn="l" defTabSz="457200" rtl="0" eaLnBrk="1" latinLnBrk="0" hangingPunct="1">
+      <a:defRPr sz="1800" kern="1200">
         <a:solidFill>
           <a:schemeClr val="tx1"/>
         </a:solidFill>
@@ -46,8 +45,8 @@
         <a:cs typeface="+mn-cs"/>
       </a:defRPr>
     </a:lvl2pPr>
-    <a:lvl3pPr algn="l" defTabSz="457200" eaLnBrk="1" hangingPunct="1" latinLnBrk="0" marL="914400" rtl="0">
-      <a:defRPr kern="1200" sz="1800">
+    <a:lvl3pPr marL="914400" algn="l" defTabSz="457200" rtl="0" eaLnBrk="1" latinLnBrk="0" hangingPunct="1">
+      <a:defRPr sz="1800" kern="1200">
         <a:solidFill>
           <a:schemeClr val="tx1"/>
         </a:solidFill>
@@ -56,8 +55,8 @@
         <a:cs typeface="+mn-cs"/>
       </a:defRPr>
     </a:lvl3pPr>
-    <a:lvl4pPr algn="l" defTabSz="457200" eaLnBrk="1" hangingPunct="1" latinLnBrk="0" marL="1371600" rtl="0">
-      <a:defRPr kern="1200" sz="1800">
+    <a:lvl4pPr marL="1371600" algn="l" defTabSz="457200" rtl="0" eaLnBrk="1" latinLnBrk="0" hangingPunct="1">
+      <a:defRPr sz="1800" kern="1200">
         <a:solidFill>
           <a:schemeClr val="tx1"/>
         </a:solidFill>
@@ -66,8 +65,8 @@
         <a:cs typeface="+mn-cs"/>
       </a:defRPr>
     </a:lvl4pPr>
-    <a:lvl5pPr algn="l" defTabSz="457200" eaLnBrk="1" hangingPunct="1" latinLnBrk="0" marL="1828800" rtl="0">
-      <a:defRPr kern="1200" sz="1800">
+    <a:lvl5pPr marL="1828800" algn="l" defTabSz="457200" rtl="0" eaLnBrk="1" latinLnBrk="0" hangingPunct="1">
+      <a:defRPr sz="1800" kern="1200">
         <a:solidFill>
           <a:schemeClr val="tx1"/>
         </a:solidFill>
@@ -76,8 +75,8 @@
         <a:cs typeface="+mn-cs"/>
       </a:defRPr>
     </a:lvl5pPr>
-    <a:lvl6pPr algn="l" defTabSz="457200" eaLnBrk="1" hangingPunct="1" latinLnBrk="0" marL="2286000" rtl="0">
-      <a:defRPr kern="1200" sz="1800">
+    <a:lvl6pPr marL="2286000" algn="l" defTabSz="457200" rtl="0" eaLnBrk="1" latinLnBrk="0" hangingPunct="1">
+      <a:defRPr sz="1800" kern="1200">
         <a:solidFill>
           <a:schemeClr val="tx1"/>
         </a:solidFill>
@@ -86,8 +85,8 @@
         <a:cs typeface="+mn-cs"/>
       </a:defRPr>
     </a:lvl6pPr>
-    <a:lvl7pPr algn="l" defTabSz="457200" eaLnBrk="1" hangingPunct="1" latinLnBrk="0" marL="2743200" rtl="0">
-      <a:defRPr kern="1200" sz="1800">
+    <a:lvl7pPr marL="2743200" algn="l" defTabSz="457200" rtl="0" eaLnBrk="1" latinLnBrk="0" hangingPunct="1">
+      <a:defRPr sz="1800" kern="1200">
         <a:solidFill>
           <a:schemeClr val="tx1"/>
         </a:solidFill>
@@ -96,8 +95,8 @@
         <a:cs typeface="+mn-cs"/>
       </a:defRPr>
     </a:lvl7pPr>
-    <a:lvl8pPr algn="l" defTabSz="457200" eaLnBrk="1" hangingPunct="1" latinLnBrk="0" marL="3200400" rtl="0">
-      <a:defRPr kern="1200" sz="1800">
+    <a:lvl8pPr marL="3200400" algn="l" defTabSz="457200" rtl="0" eaLnBrk="1" latinLnBrk="0" hangingPunct="1">
+      <a:defRPr sz="1800" kern="1200">
         <a:solidFill>
           <a:schemeClr val="tx1"/>
         </a:solidFill>
@@ -106,8 +105,8 @@
         <a:cs typeface="+mn-cs"/>
       </a:defRPr>
     </a:lvl8pPr>
-    <a:lvl9pPr algn="l" defTabSz="457200" eaLnBrk="1" hangingPunct="1" latinLnBrk="0" marL="3657600" rtl="0">
-      <a:defRPr kern="1200" sz="1800">
+    <a:lvl9pPr marL="3657600" algn="l" defTabSz="457200" rtl="0" eaLnBrk="1" latinLnBrk="0" hangingPunct="1">
+      <a:defRPr sz="1800" kern="1200">
         <a:solidFill>
           <a:schemeClr val="tx1"/>
         </a:solidFill>
@@ -315,7 +314,7 @@
           <a:p>
             <a:fld id="{241EB5C9-1307-BA42-ABA2-0BC069CD8E7F}" type="datetimeFigureOut">
               <a:rPr lang="en-US" smtClean="0"/>
-              <a:t>1/2/22</a:t>
+              <a:t>3/18/24</a:t>
             </a:fld>
             <a:endParaRPr lang="en-US"/>
           </a:p>
@@ -483,7 +482,7 @@
           <a:p>
             <a:fld id="{241EB5C9-1307-BA42-ABA2-0BC069CD8E7F}" type="datetimeFigureOut">
               <a:rPr lang="en-US" smtClean="0"/>
-              <a:t>1/2/22</a:t>
+              <a:t>3/18/24</a:t>
             </a:fld>
             <a:endParaRPr lang="en-US"/>
           </a:p>
@@ -661,7 +660,7 @@
           <a:p>
             <a:fld id="{241EB5C9-1307-BA42-ABA2-0BC069CD8E7F}" type="datetimeFigureOut">
               <a:rPr lang="en-US" smtClean="0"/>
-              <a:t>1/2/22</a:t>
+              <a:t>3/18/24</a:t>
             </a:fld>
             <a:endParaRPr lang="en-US"/>
           </a:p>
@@ -829,7 +828,7 @@
           <a:p>
             <a:fld id="{241EB5C9-1307-BA42-ABA2-0BC069CD8E7F}" type="datetimeFigureOut">
               <a:rPr lang="en-US" smtClean="0"/>
-              <a:t>1/2/22</a:t>
+              <a:t>3/18/24</a:t>
             </a:fld>
             <a:endParaRPr lang="en-US"/>
           </a:p>
@@ -1074,7 +1073,7 @@
           <a:p>
             <a:fld id="{241EB5C9-1307-BA42-ABA2-0BC069CD8E7F}" type="datetimeFigureOut">
               <a:rPr lang="en-US" smtClean="0"/>
-              <a:t>1/2/22</a:t>
+              <a:t>3/18/24</a:t>
             </a:fld>
             <a:endParaRPr lang="en-US"/>
           </a:p>
@@ -1359,7 +1358,7 @@
           <a:p>
             <a:fld id="{241EB5C9-1307-BA42-ABA2-0BC069CD8E7F}" type="datetimeFigureOut">
               <a:rPr lang="en-US" smtClean="0"/>
-              <a:t>1/2/22</a:t>
+              <a:t>3/18/24</a:t>
             </a:fld>
             <a:endParaRPr lang="en-US"/>
           </a:p>
@@ -1778,7 +1777,7 @@
           <a:p>
             <a:fld id="{241EB5C9-1307-BA42-ABA2-0BC069CD8E7F}" type="datetimeFigureOut">
               <a:rPr lang="en-US" smtClean="0"/>
-              <a:t>1/2/22</a:t>
+              <a:t>3/18/24</a:t>
             </a:fld>
             <a:endParaRPr lang="en-US"/>
           </a:p>
@@ -1895,7 +1894,7 @@
           <a:p>
             <a:fld id="{241EB5C9-1307-BA42-ABA2-0BC069CD8E7F}" type="datetimeFigureOut">
               <a:rPr lang="en-US" smtClean="0"/>
-              <a:t>1/2/22</a:t>
+              <a:t>3/18/24</a:t>
             </a:fld>
             <a:endParaRPr lang="en-US"/>
           </a:p>
@@ -1990,7 +1989,7 @@
           <a:p>
             <a:fld id="{241EB5C9-1307-BA42-ABA2-0BC069CD8E7F}" type="datetimeFigureOut">
               <a:rPr lang="en-US" smtClean="0"/>
-              <a:t>1/2/22</a:t>
+              <a:t>3/18/24</a:t>
             </a:fld>
             <a:endParaRPr lang="en-US"/>
           </a:p>
@@ -2265,7 +2264,7 @@
           <a:p>
             <a:fld id="{241EB5C9-1307-BA42-ABA2-0BC069CD8E7F}" type="datetimeFigureOut">
               <a:rPr lang="en-US" smtClean="0"/>
-              <a:t>1/2/22</a:t>
+              <a:t>3/18/24</a:t>
             </a:fld>
             <a:endParaRPr lang="en-US"/>
           </a:p>
@@ -2517,7 +2516,7 @@
           <a:p>
             <a:fld id="{241EB5C9-1307-BA42-ABA2-0BC069CD8E7F}" type="datetimeFigureOut">
               <a:rPr lang="en-US" smtClean="0"/>
-              <a:t>1/2/22</a:t>
+              <a:t>3/18/24</a:t>
             </a:fld>
             <a:endParaRPr lang="en-US"/>
           </a:p>
@@ -2579,7 +2578,7 @@
 </file>
 
 <file path=ppt/slideMasters/slideMaster1.xml><?xml version="1.0" encoding="utf-8"?>
-<p:sldMaster xmlns:a="http://schemas.openxmlformats.org/drawingml/2006/main" xmlns:p="http://schemas.openxmlformats.org/presentationml/2006/main" xmlns:r="http://schemas.openxmlformats.org/officeDocument/2006/relationships">
+<p:sldMaster xmlns:a="http://schemas.openxmlformats.org/drawingml/2006/main" xmlns:r="http://schemas.openxmlformats.org/officeDocument/2006/relationships" xmlns:p="http://schemas.openxmlformats.org/presentationml/2006/main">
   <p:cSld>
     <p:bg>
       <p:bgRef idx="1001">
@@ -2620,7 +2619,7 @@
           </a:prstGeom>
         </p:spPr>
         <p:txBody>
-          <a:bodyPr anchor="ctr" bIns="45720" lIns="91440" rIns="91440" rtlCol="0" tIns="45720" vert="horz">
+          <a:bodyPr vert="horz" lIns="91440" tIns="45720" rIns="91440" bIns="45720" rtlCol="0" anchor="ctr">
             <a:normAutofit/>
           </a:bodyPr>
           <a:lstStyle/>
@@ -2639,7 +2638,7 @@
             <a:spLocks noGrp="1"/>
           </p:cNvSpPr>
           <p:nvPr>
-            <p:ph idx="1" type="body"/>
+            <p:ph type="body" idx="1"/>
           </p:nvPr>
         </p:nvSpPr>
         <p:spPr>
@@ -2652,7 +2651,7 @@
           </a:prstGeom>
         </p:spPr>
         <p:txBody>
-          <a:bodyPr bIns="45720" lIns="91440" rIns="91440" rtlCol="0" tIns="45720" vert="horz">
+          <a:bodyPr vert="horz" lIns="91440" tIns="45720" rIns="91440" bIns="45720" rtlCol="0">
             <a:normAutofit/>
           </a:bodyPr>
           <a:lstStyle/>
@@ -2700,7 +2699,7 @@
             <a:spLocks noGrp="1"/>
           </p:cNvSpPr>
           <p:nvPr>
-            <p:ph idx="2" sz="half" type="dt"/>
+            <p:ph type="dt" sz="half" idx="2"/>
           </p:nvPr>
         </p:nvSpPr>
         <p:spPr>
@@ -2713,7 +2712,7 @@
           </a:prstGeom>
         </p:spPr>
         <p:txBody>
-          <a:bodyPr anchor="ctr" bIns="45720" lIns="91440" rIns="91440" rtlCol="0" tIns="45720" vert="horz"/>
+          <a:bodyPr vert="horz" lIns="91440" tIns="45720" rIns="91440" bIns="45720" rtlCol="0" anchor="ctr"/>
           <a:lstStyle>
             <a:lvl1pPr algn="l">
               <a:defRPr sz="900">
@@ -2728,7 +2727,7 @@
           <a:p>
             <a:fld id="{241EB5C9-1307-BA42-ABA2-0BC069CD8E7F}" type="datetimeFigureOut">
               <a:rPr lang="en-US" smtClean="0"/>
-              <a:t>1/2/22</a:t>
+              <a:t>3/18/24</a:t>
             </a:fld>
             <a:endParaRPr lang="en-US"/>
           </a:p>
@@ -2741,7 +2740,7 @@
             <a:spLocks noGrp="1"/>
           </p:cNvSpPr>
           <p:nvPr>
-            <p:ph idx="3" sz="quarter" type="ftr"/>
+            <p:ph type="ftr" sz="quarter" idx="3"/>
           </p:nvPr>
         </p:nvSpPr>
         <p:spPr>
@@ -2754,7 +2753,7 @@
           </a:prstGeom>
         </p:spPr>
         <p:txBody>
-          <a:bodyPr anchor="ctr" bIns="45720" lIns="91440" rIns="91440" rtlCol="0" tIns="45720" vert="horz"/>
+          <a:bodyPr vert="horz" lIns="91440" tIns="45720" rIns="91440" bIns="45720" rtlCol="0" anchor="ctr"/>
           <a:lstStyle>
             <a:lvl1pPr algn="ctr">
               <a:defRPr sz="900">
@@ -2778,7 +2777,7 @@
             <a:spLocks noGrp="1"/>
           </p:cNvSpPr>
           <p:nvPr>
-            <p:ph idx="4" sz="quarter" type="sldNum"/>
+            <p:ph type="sldNum" sz="quarter" idx="4"/>
           </p:nvPr>
         </p:nvSpPr>
         <p:spPr>
@@ -2791,7 +2790,7 @@
           </a:prstGeom>
         </p:spPr>
         <p:txBody>
-          <a:bodyPr anchor="ctr" bIns="45720" lIns="91440" rIns="91440" rtlCol="0" tIns="45720" vert="horz"/>
+          <a:bodyPr vert="horz" lIns="91440" tIns="45720" rIns="91440" bIns="45720" rtlCol="0" anchor="ctr"/>
           <a:lstStyle>
             <a:lvl1pPr algn="r">
               <a:defRPr sz="900">
@@ -2819,7 +2818,7 @@
       </p:ext>
     </p:extLst>
   </p:cSld>
-  <p:clrMap accent1="accent1" accent2="accent2" accent3="accent3" accent4="accent4" accent5="accent5" accent6="accent6" bg1="lt1" bg2="lt2" folHlink="folHlink" hlink="hlink" tx1="dk1" tx2="dk2"/>
+  <p:clrMap bg1="lt1" tx1="dk1" bg2="lt2" tx2="dk2" accent1="accent1" accent2="accent2" accent3="accent3" accent4="accent4" accent5="accent5" accent6="accent6" hlink="hlink" folHlink="folHlink"/>
   <p:sldLayoutIdLst>
     <p:sldLayoutId id="2147483649" r:id="rId1"/>
     <p:sldLayoutId id="2147483650" r:id="rId2"/>
@@ -2835,12 +2834,12 @@
   </p:sldLayoutIdLst>
   <p:txStyles>
     <p:titleStyle>
-      <a:lvl1pPr algn="ctr" defTabSz="342900" eaLnBrk="1" hangingPunct="1" latinLnBrk="0" rtl="0">
+      <a:lvl1pPr algn="ctr" defTabSz="342900" rtl="0" eaLnBrk="1" latinLnBrk="0" hangingPunct="1">
         <a:spcBef>
           <a:spcPct val="0"/>
         </a:spcBef>
         <a:buNone/>
-        <a:defRPr kern="1200" sz="3300">
+        <a:defRPr sz="3300" kern="1200">
           <a:solidFill>
             <a:schemeClr val="tx1"/>
           </a:solidFill>
@@ -2851,13 +2850,13 @@
       </a:lvl1pPr>
     </p:titleStyle>
     <p:bodyStyle>
-      <a:lvl1pPr algn="l" defTabSz="342900" eaLnBrk="1" hangingPunct="1" indent="-342900" latinLnBrk="0" marL="342900" rtl="0">
+      <a:lvl1pPr marL="342900" indent="-342900" algn="l" defTabSz="342900" rtl="0" eaLnBrk="1" latinLnBrk="0" hangingPunct="1">
         <a:spcBef>
           <a:spcPct val="20000"/>
         </a:spcBef>
         <a:buFont typeface="Arial"/>
         <a:buChar char="•"/>
-        <a:defRPr kern="1200" sz="2400">
+        <a:defRPr sz="2400" kern="1200">
           <a:solidFill>
             <a:schemeClr val="tx1"/>
           </a:solidFill>
@@ -2866,13 +2865,13 @@
           <a:cs typeface="+mn-cs"/>
         </a:defRPr>
       </a:lvl1pPr>
-      <a:lvl2pPr algn="l" defTabSz="342900" eaLnBrk="1" hangingPunct="1" indent="-342900" latinLnBrk="0" marL="685800" rtl="0">
+      <a:lvl2pPr marL="685800" indent="-342900" algn="l" defTabSz="342900" rtl="0" eaLnBrk="1" latinLnBrk="0" hangingPunct="1">
         <a:spcBef>
           <a:spcPct val="20000"/>
         </a:spcBef>
         <a:buFont typeface="Arial"/>
         <a:buChar char="–"/>
-        <a:defRPr kern="1200" sz="2100">
+        <a:defRPr sz="2100" kern="1200">
           <a:solidFill>
             <a:schemeClr val="tx1"/>
           </a:solidFill>
@@ -2881,13 +2880,13 @@
           <a:cs typeface="+mn-cs"/>
         </a:defRPr>
       </a:lvl2pPr>
-      <a:lvl3pPr algn="l" defTabSz="342900" eaLnBrk="1" hangingPunct="1" indent="-342900" latinLnBrk="0" marL="1028700" rtl="0">
+      <a:lvl3pPr marL="1028700" indent="-342900" algn="l" defTabSz="342900" rtl="0" eaLnBrk="1" latinLnBrk="0" hangingPunct="1">
         <a:spcBef>
           <a:spcPct val="20000"/>
         </a:spcBef>
         <a:buFont typeface="Arial"/>
         <a:buChar char="•"/>
-        <a:defRPr kern="1200" sz="1800">
+        <a:defRPr sz="1800" kern="1200">
           <a:solidFill>
             <a:schemeClr val="tx1"/>
           </a:solidFill>
@@ -2896,13 +2895,13 @@
           <a:cs typeface="+mn-cs"/>
         </a:defRPr>
       </a:lvl3pPr>
-      <a:lvl4pPr algn="l" defTabSz="342900" eaLnBrk="1" hangingPunct="1" indent="-342900" latinLnBrk="0" marL="1371600" rtl="0">
+      <a:lvl4pPr marL="1371600" indent="-342900" algn="l" defTabSz="342900" rtl="0" eaLnBrk="1" latinLnBrk="0" hangingPunct="1">
         <a:spcBef>
           <a:spcPct val="20000"/>
         </a:spcBef>
         <a:buFont typeface="Arial"/>
         <a:buChar char="–"/>
-        <a:defRPr kern="1200" sz="1500">
+        <a:defRPr sz="1500" kern="1200">
           <a:solidFill>
             <a:schemeClr val="tx1"/>
           </a:solidFill>
@@ -2911,13 +2910,13 @@
           <a:cs typeface="+mn-cs"/>
         </a:defRPr>
       </a:lvl4pPr>
-      <a:lvl5pPr algn="l" defTabSz="342900" eaLnBrk="1" hangingPunct="1" indent="-342900" latinLnBrk="0" marL="1714500" rtl="0">
+      <a:lvl5pPr marL="1714500" indent="-342900" algn="l" defTabSz="342900" rtl="0" eaLnBrk="1" latinLnBrk="0" hangingPunct="1">
         <a:spcBef>
           <a:spcPct val="20000"/>
         </a:spcBef>
         <a:buFont typeface="Arial"/>
         <a:buChar char="»"/>
-        <a:defRPr kern="1200" sz="1500">
+        <a:defRPr sz="1500" kern="1200">
           <a:solidFill>
             <a:schemeClr val="tx1"/>
           </a:solidFill>
@@ -2926,13 +2925,13 @@
           <a:cs typeface="+mn-cs"/>
         </a:defRPr>
       </a:lvl5pPr>
-      <a:lvl6pPr algn="l" defTabSz="342900" eaLnBrk="1" hangingPunct="1" indent="-342900" latinLnBrk="0" marL="2057400" rtl="0">
+      <a:lvl6pPr marL="2057400" indent="-342900" algn="l" defTabSz="342900" rtl="0" eaLnBrk="1" latinLnBrk="0" hangingPunct="1">
         <a:spcBef>
           <a:spcPct val="20000"/>
         </a:spcBef>
         <a:buFont typeface="Arial"/>
         <a:buChar char="•"/>
-        <a:defRPr kern="1200" sz="1500">
+        <a:defRPr sz="1500" kern="1200">
           <a:solidFill>
             <a:schemeClr val="tx1"/>
           </a:solidFill>
@@ -2941,13 +2940,13 @@
           <a:cs typeface="+mn-cs"/>
         </a:defRPr>
       </a:lvl6pPr>
-      <a:lvl7pPr algn="l" defTabSz="342900" eaLnBrk="1" hangingPunct="1" indent="-342900" latinLnBrk="0" marL="2400300" rtl="0">
+      <a:lvl7pPr marL="2400300" indent="-342900" algn="l" defTabSz="342900" rtl="0" eaLnBrk="1" latinLnBrk="0" hangingPunct="1">
         <a:spcBef>
           <a:spcPct val="20000"/>
         </a:spcBef>
         <a:buFont typeface="Arial"/>
         <a:buChar char="•"/>
-        <a:defRPr kern="1200" sz="1500">
+        <a:defRPr sz="1500" kern="1200">
           <a:solidFill>
             <a:schemeClr val="tx1"/>
           </a:solidFill>
@@ -2956,13 +2955,13 @@
           <a:cs typeface="+mn-cs"/>
         </a:defRPr>
       </a:lvl7pPr>
-      <a:lvl8pPr algn="l" defTabSz="342900" eaLnBrk="1" hangingPunct="1" indent="-342900" latinLnBrk="0" marL="2743200" rtl="0">
+      <a:lvl8pPr marL="2743200" indent="-342900" algn="l" defTabSz="342900" rtl="0" eaLnBrk="1" latinLnBrk="0" hangingPunct="1">
         <a:spcBef>
           <a:spcPct val="20000"/>
         </a:spcBef>
         <a:buFont typeface="Arial"/>
         <a:buChar char="•"/>
-        <a:defRPr kern="1200" sz="1500">
+        <a:defRPr sz="1500" kern="1200">
           <a:solidFill>
             <a:schemeClr val="tx1"/>
           </a:solidFill>
@@ -2971,13 +2970,13 @@
           <a:cs typeface="+mn-cs"/>
         </a:defRPr>
       </a:lvl8pPr>
-      <a:lvl9pPr algn="l" defTabSz="342900" eaLnBrk="1" hangingPunct="1" indent="-342900" latinLnBrk="0" marL="3086100" rtl="0">
+      <a:lvl9pPr marL="3086100" indent="-342900" algn="l" defTabSz="342900" rtl="0" eaLnBrk="1" latinLnBrk="0" hangingPunct="1">
         <a:spcBef>
           <a:spcPct val="20000"/>
         </a:spcBef>
         <a:buFont typeface="Arial"/>
         <a:buChar char="•"/>
-        <a:defRPr kern="1200" sz="1500">
+        <a:defRPr sz="1500" kern="1200">
           <a:solidFill>
             <a:schemeClr val="tx1"/>
           </a:solidFill>
@@ -2991,8 +2990,8 @@
       <a:defPPr>
         <a:defRPr lang="en-US"/>
       </a:defPPr>
-      <a:lvl1pPr algn="l" defTabSz="342900" eaLnBrk="1" hangingPunct="1" latinLnBrk="0" marL="0" rtl="0">
-        <a:defRPr kern="1200" sz="1350">
+      <a:lvl1pPr marL="0" algn="l" defTabSz="342900" rtl="0" eaLnBrk="1" latinLnBrk="0" hangingPunct="1">
+        <a:defRPr sz="1350" kern="1200">
           <a:solidFill>
             <a:schemeClr val="tx1"/>
           </a:solidFill>
@@ -3001,8 +3000,8 @@
           <a:cs typeface="+mn-cs"/>
         </a:defRPr>
       </a:lvl1pPr>
-      <a:lvl2pPr algn="l" defTabSz="342900" eaLnBrk="1" hangingPunct="1" latinLnBrk="0" marL="342900" rtl="0">
-        <a:defRPr kern="1200" sz="1350">
+      <a:lvl2pPr marL="342900" algn="l" defTabSz="342900" rtl="0" eaLnBrk="1" latinLnBrk="0" hangingPunct="1">
+        <a:defRPr sz="1350" kern="1200">
           <a:solidFill>
             <a:schemeClr val="tx1"/>
           </a:solidFill>
@@ -3011,8 +3010,8 @@
           <a:cs typeface="+mn-cs"/>
         </a:defRPr>
       </a:lvl2pPr>
-      <a:lvl3pPr algn="l" defTabSz="342900" eaLnBrk="1" hangingPunct="1" latinLnBrk="0" marL="685800" rtl="0">
-        <a:defRPr kern="1200" sz="1350">
+      <a:lvl3pPr marL="685800" algn="l" defTabSz="342900" rtl="0" eaLnBrk="1" latinLnBrk="0" hangingPunct="1">
+        <a:defRPr sz="1350" kern="1200">
           <a:solidFill>
             <a:schemeClr val="tx1"/>
           </a:solidFill>
@@ -3021,8 +3020,8 @@
           <a:cs typeface="+mn-cs"/>
         </a:defRPr>
       </a:lvl3pPr>
-      <a:lvl4pPr algn="l" defTabSz="342900" eaLnBrk="1" hangingPunct="1" latinLnBrk="0" marL="1028700" rtl="0">
-        <a:defRPr kern="1200" sz="1350">
+      <a:lvl4pPr marL="1028700" algn="l" defTabSz="342900" rtl="0" eaLnBrk="1" latinLnBrk="0" hangingPunct="1">
+        <a:defRPr sz="1350" kern="1200">
           <a:solidFill>
             <a:schemeClr val="tx1"/>
           </a:solidFill>
@@ -3031,8 +3030,8 @@
           <a:cs typeface="+mn-cs"/>
         </a:defRPr>
       </a:lvl4pPr>
-      <a:lvl5pPr algn="l" defTabSz="342900" eaLnBrk="1" hangingPunct="1" latinLnBrk="0" marL="1371600" rtl="0">
-        <a:defRPr kern="1200" sz="1350">
+      <a:lvl5pPr marL="1371600" algn="l" defTabSz="342900" rtl="0" eaLnBrk="1" latinLnBrk="0" hangingPunct="1">
+        <a:defRPr sz="1350" kern="1200">
           <a:solidFill>
             <a:schemeClr val="tx1"/>
           </a:solidFill>
@@ -3041,8 +3040,8 @@
           <a:cs typeface="+mn-cs"/>
         </a:defRPr>
       </a:lvl5pPr>
-      <a:lvl6pPr algn="l" defTabSz="342900" eaLnBrk="1" hangingPunct="1" latinLnBrk="0" marL="1714500" rtl="0">
-        <a:defRPr kern="1200" sz="1350">
+      <a:lvl6pPr marL="1714500" algn="l" defTabSz="342900" rtl="0" eaLnBrk="1" latinLnBrk="0" hangingPunct="1">
+        <a:defRPr sz="1350" kern="1200">
           <a:solidFill>
             <a:schemeClr val="tx1"/>
           </a:solidFill>
@@ -3051,8 +3050,8 @@
           <a:cs typeface="+mn-cs"/>
         </a:defRPr>
       </a:lvl6pPr>
-      <a:lvl7pPr algn="l" defTabSz="342900" eaLnBrk="1" hangingPunct="1" latinLnBrk="0" marL="2057400" rtl="0">
-        <a:defRPr kern="1200" sz="1350">
+      <a:lvl7pPr marL="2057400" algn="l" defTabSz="342900" rtl="0" eaLnBrk="1" latinLnBrk="0" hangingPunct="1">
+        <a:defRPr sz="1350" kern="1200">
           <a:solidFill>
             <a:schemeClr val="tx1"/>
           </a:solidFill>
@@ -3061,8 +3060,8 @@
           <a:cs typeface="+mn-cs"/>
         </a:defRPr>
       </a:lvl7pPr>
-      <a:lvl8pPr algn="l" defTabSz="342900" eaLnBrk="1" hangingPunct="1" latinLnBrk="0" marL="2400300" rtl="0">
-        <a:defRPr kern="1200" sz="1350">
+      <a:lvl8pPr marL="2400300" algn="l" defTabSz="342900" rtl="0" eaLnBrk="1" latinLnBrk="0" hangingPunct="1">
+        <a:defRPr sz="1350" kern="1200">
           <a:solidFill>
             <a:schemeClr val="tx1"/>
           </a:solidFill>
@@ -3071,8 +3070,8 @@
           <a:cs typeface="+mn-cs"/>
         </a:defRPr>
       </a:lvl8pPr>
-      <a:lvl9pPr algn="l" defTabSz="342900" eaLnBrk="1" hangingPunct="1" latinLnBrk="0" marL="2743200" rtl="0">
-        <a:defRPr kern="1200" sz="1350">
+      <a:lvl9pPr marL="2743200" algn="l" defTabSz="342900" rtl="0" eaLnBrk="1" latinLnBrk="0" hangingPunct="1">
+        <a:defRPr sz="1350" kern="1200">
           <a:solidFill>
             <a:schemeClr val="tx1"/>
           </a:solidFill>
@@ -3110,19 +3109,23 @@
             <a:spLocks noGrp="1"/>
           </p:cNvSpPr>
           <p:nvPr>
-            <p:ph type="title"/>
-          </p:nvPr>
-        </p:nvSpPr>
-        <p:spPr/>
-        <p:txBody>
-          <a:bodyPr/>
-          <a:lstStyle/>
-          <a:p>
-            <a:pPr lvl="0" indent="0" marL="0">
+            <p:ph type="ctrTitle"/>
+          </p:nvPr>
+        </p:nvSpPr>
+        <p:spPr>
+          <a:xfrm>
+            <a:off x="685800" y="1597819"/>
+            <a:ext cx="7772400" cy="1102519"/>
+          </a:xfrm>
+        </p:spPr>
+        <p:txBody>
+          <a:bodyPr/>
+          <a:lstStyle/>
+          <a:p>
+            <a:pPr marL="0" lvl="0" indent="0">
               <a:buNone/>
             </a:pPr>
             <a:r>
-              <a:rPr/>
               <a:t>DE with SLICER</a:t>
             </a:r>
           </a:p>
@@ -3130,40 +3133,38 @@
       </p:sp>
       <p:sp>
         <p:nvSpPr>
-          <p:cNvPr id="3" name="Content Placeholder 2"/>
-          <p:cNvSpPr>
-            <a:spLocks noGrp="1"/>
-          </p:cNvSpPr>
-          <p:nvPr>
-            <p:ph idx="1"/>
-          </p:nvPr>
-        </p:nvSpPr>
-        <p:spPr/>
-        <p:txBody>
-          <a:bodyPr/>
-          <a:lstStyle/>
-          <a:p>
-            <a:pPr lvl="0" indent="0" marL="1270000">
+          <p:cNvPr id="3" name="Subtitle 2"/>
+          <p:cNvSpPr>
+            <a:spLocks noGrp="1"/>
+          </p:cNvSpPr>
+          <p:nvPr>
+            <p:ph type="subTitle" idx="1"/>
+          </p:nvPr>
+        </p:nvSpPr>
+        <p:spPr>
+          <a:xfrm>
+            <a:off x="1371600" y="2914650"/>
+            <a:ext cx="6400800" cy="1314450"/>
+          </a:xfrm>
+        </p:spPr>
+        <p:txBody>
+          <a:bodyPr/>
+          <a:lstStyle/>
+          <a:p>
+            <a:pPr marL="0" lvl="0" indent="0">
               <a:buNone/>
             </a:pPr>
-            <a:r>
-              <a:rPr sz="2000" b="1"/>
-              <a:t>Note</a:t>
-            </a:r>
-          </a:p>
-          <a:p>
-            <a:pPr lvl="0" indent="0" marL="1270000">
-              <a:buNone/>
-            </a:pPr>
-            <a:r>
-              <a:rPr sz="2000"/>
-              <a:t>This is a work in progress</a:t>
-            </a:r>
+            <a:br/>
+            <a:br/>
+            <a:endParaRPr/>
           </a:p>
         </p:txBody>
       </p:sp>
     </p:spTree>
   </p:cSld>
+  <p:clrMapOvr>
+    <a:masterClrMapping/>
+  </p:clrMapOvr>
 </p:sld>
 </file>
 
@@ -3199,12 +3200,11 @@
           <a:bodyPr/>
           <a:lstStyle/>
           <a:p>
-            <a:pPr lvl="0" indent="0" marL="0">
+            <a:pPr marL="0" lvl="0" indent="0">
               <a:buNone/>
             </a:pPr>
             <a:r>
-              <a:rPr/>
-              <a:t>Implementation</a:t>
+              <a:t>Expected Challenges</a:t>
             </a:r>
           </a:p>
         </p:txBody>
@@ -3221,41 +3221,118 @@
         </p:nvSpPr>
         <p:spPr/>
         <p:txBody>
-          <a:bodyPr/>
-          <a:lstStyle/>
-          <a:p>
-            <a:pPr lvl="0" indent="0" marL="0">
+          <a:bodyPr>
+            <a:normAutofit fontScale="77500" lnSpcReduction="20000"/>
+          </a:bodyPr>
+          <a:lstStyle/>
+          <a:p>
+            <a:pPr marL="0" lvl="0" indent="0">
               <a:buNone/>
             </a:pPr>
             <a:r>
-              <a:rPr/>
-              <a:t>Since </a:t>
-            </a:r>
-            <a:r>
-              <a:rPr>
+              <a:rPr lang="en-US" dirty="0"/>
+              <a:t>Immediate challenges will be the disparity between </a:t>
+            </a:r>
+            <a:r>
+              <a:rPr lang="en-US" dirty="0" err="1"/>
+              <a:t>softwares</a:t>
+            </a:r>
+            <a:r>
+              <a:rPr lang="en-US" dirty="0"/>
+              <a:t>. Data is stored in a </a:t>
+            </a:r>
+            <a:r>
+              <a:rPr lang="en-US" dirty="0">
+                <a:latin typeface="Courier"/>
+              </a:rPr>
+              <a:t>h5ad</a:t>
+            </a:r>
+            <a:r>
+              <a:rPr lang="en-US" dirty="0"/>
+              <a:t> format that can be read into memory via </a:t>
+            </a:r>
+            <a:r>
+              <a:rPr lang="en-US" dirty="0">
+                <a:latin typeface="Courier"/>
+              </a:rPr>
+              <a:t>scanpy.read_h5ad(...)</a:t>
+            </a:r>
+            <a:r>
+              <a:rPr lang="en-US" dirty="0"/>
+              <a:t>. However </a:t>
+            </a:r>
+            <a:r>
+              <a:rPr lang="en-US" dirty="0">
                 <a:latin typeface="Courier"/>
               </a:rPr>
               <a:t>SLICER</a:t>
             </a:r>
             <a:r>
-              <a:rPr/>
-              <a:t> is implemented in R, we will be implementing our DE in R as well. We will ideally provide an R function that takes a cell by gene matrix and returns SLICER results along with supplemental data relating to DE analysis. Our code will be posted on </a:t>
-            </a:r>
-            <a:r>
-              <a:rPr>
+              <a:rPr lang="en-US" dirty="0"/>
+              <a:t> is implemented in R and will need to be locally installed as it was </a:t>
+            </a:r>
+            <a:r>
+              <a:rPr lang="en-US" dirty="0">
                 <a:hlinkClick r:id="rId2"/>
               </a:rPr>
-              <a:t>GitHub</a:t>
-            </a:r>
-            <a:r>
-              <a:rPr/>
+              <a:t>removed from CRAN</a:t>
+            </a:r>
+            <a:r>
+              <a:rPr lang="en-US" dirty="0"/>
+              <a:t> in </a:t>
+            </a:r>
+            <a:r>
+              <a:rPr lang="en-US" dirty="0">
+                <a:latin typeface="Courier"/>
+              </a:rPr>
+              <a:t>2022</a:t>
+            </a:r>
+            <a:r>
+              <a:rPr lang="en-US" dirty="0"/>
               <a:t>.</a:t>
             </a:r>
+          </a:p>
+          <a:p>
+            <a:r>
+              <a:rPr lang="en-US" dirty="0"/>
+              <a:t>Branch assignments seem to be based on the Dimensionality Reduction of </a:t>
+            </a:r>
+            <a:r>
+              <a:rPr lang="en-US" dirty="0">
+                <a:latin typeface="Courier"/>
+              </a:rPr>
+              <a:t>LLE</a:t>
+            </a:r>
+            <a:r>
+              <a:rPr lang="en-US" dirty="0"/>
+              <a:t>, but the actual trajectories through the graph may bounce between branch assignments (see Preliminary Results). </a:t>
+            </a:r>
+          </a:p>
+          <a:p>
+            <a:r>
+              <a:rPr lang="en-US" dirty="0"/>
+              <a:t>There is no guarantee to the size of branch assignments given by SLICER. Assuming one branch is sufficiently small, this may lead to under powered DE results. </a:t>
+            </a:r>
+          </a:p>
+          <a:p>
+            <a:r>
+              <a:rPr lang="en-US" dirty="0"/>
+              <a:t>DE results may not be comparable to SLICER results due to the nature of SLICER feature selection (selecting genes with low neighborhood variance versus global variance).</a:t>
+            </a:r>
+          </a:p>
+          <a:p>
+            <a:pPr marL="0" lvl="0" indent="0">
+              <a:buNone/>
+            </a:pPr>
+            <a:endParaRPr dirty="0"/>
           </a:p>
         </p:txBody>
       </p:sp>
     </p:spTree>
   </p:cSld>
+  <p:clrMapOvr>
+    <a:masterClrMapping/>
+  </p:clrMapOvr>
 </p:sld>
 </file>
 
@@ -3291,48 +3368,62 @@
           <a:bodyPr/>
           <a:lstStyle/>
           <a:p>
-            <a:pPr lvl="0" indent="0" marL="0">
+            <a:pPr marL="0" lvl="0" indent="0">
               <a:buNone/>
             </a:pPr>
             <a:r>
-              <a:rPr/>
-              <a:t>Preliminary Results</a:t>
-            </a:r>
-          </a:p>
-        </p:txBody>
-      </p:sp>
-      <p:pic>
-        <p:nvPicPr>
-          <p:cNvPr descr="SLICER_EXAMPLE.gif" id="0" name="Picture 1"/>
-          <p:cNvPicPr>
-            <a:picLocks noGrp="1" noChangeAspect="1"/>
-          </p:cNvPicPr>
-          <p:nvPr/>
-        </p:nvPicPr>
-        <p:blipFill>
-          <a:blip r:embed="rId2"/>
-          <a:stretch>
-            <a:fillRect/>
-          </a:stretch>
-        </p:blipFill>
-        <p:spPr bwMode="auto">
-          <a:xfrm>
-            <a:off x="2870200" y="1193800"/>
-            <a:ext cx="3390900" cy="3390900"/>
-          </a:xfrm>
-          <a:prstGeom prst="rect">
-            <a:avLst/>
-          </a:prstGeom>
-          <a:noFill/>
-          <a:ln w="9525">
-            <a:noFill/>
-            <a:headEnd/>
-            <a:tailEnd/>
-          </a:ln>
-        </p:spPr>
-      </p:pic>
+              <a:t>Implementation</a:t>
+            </a:r>
+          </a:p>
+        </p:txBody>
+      </p:sp>
+      <p:sp>
+        <p:nvSpPr>
+          <p:cNvPr id="3" name="Content Placeholder 2"/>
+          <p:cNvSpPr>
+            <a:spLocks noGrp="1"/>
+          </p:cNvSpPr>
+          <p:nvPr>
+            <p:ph idx="1"/>
+          </p:nvPr>
+        </p:nvSpPr>
+        <p:spPr/>
+        <p:txBody>
+          <a:bodyPr/>
+          <a:lstStyle/>
+          <a:p>
+            <a:pPr marL="0" lvl="0" indent="0">
+              <a:buNone/>
+            </a:pPr>
+            <a:r>
+              <a:t>Since </a:t>
+            </a:r>
+            <a:r>
+              <a:rPr>
+                <a:latin typeface="Courier"/>
+              </a:rPr>
+              <a:t>SLICER</a:t>
+            </a:r>
+            <a:r>
+              <a:t> is implemented in R, we will be implementing our DE in R as well. We will ideally provide an R function that takes a cell by gene matrix and returns SLICER results along with supplemental data relating to DE analysis. Our code will be posted on </a:t>
+            </a:r>
+            <a:r>
+              <a:rPr>
+                <a:hlinkClick r:id="rId2"/>
+              </a:rPr>
+              <a:t>GitHub</a:t>
+            </a:r>
+            <a:r>
+              <a:t>.</a:t>
+            </a:r>
+          </a:p>
+        </p:txBody>
+      </p:sp>
     </p:spTree>
   </p:cSld>
+  <p:clrMapOvr>
+    <a:masterClrMapping/>
+  </p:clrMapOvr>
 </p:sld>
 </file>
 
@@ -3355,24 +3446,52 @@
       </p:grpSpPr>
       <p:sp>
         <p:nvSpPr>
-          <p:cNvPr id="3" name="Content Placeholder 2"/>
-          <p:cNvSpPr>
-            <a:spLocks noGrp="1"/>
-          </p:cNvSpPr>
-          <p:nvPr>
-            <p:ph idx="1"/>
-          </p:nvPr>
-        </p:nvSpPr>
-        <p:spPr/>
-        <p:txBody>
-          <a:bodyPr/>
-          <a:lstStyle/>
-          <a:p>
-            <a:pPr lvl="0" indent="0" marL="0">
+          <p:cNvPr id="2" name="Title 1"/>
+          <p:cNvSpPr>
+            <a:spLocks noGrp="1"/>
+          </p:cNvSpPr>
+          <p:nvPr>
+            <p:ph type="title"/>
+          </p:nvPr>
+        </p:nvSpPr>
+        <p:spPr>
+          <a:xfrm>
+            <a:off x="457201" y="204787"/>
+            <a:ext cx="3008313" cy="871538"/>
+          </a:xfrm>
+        </p:spPr>
+        <p:txBody>
+          <a:bodyPr/>
+          <a:lstStyle/>
+          <a:p>
+            <a:pPr marL="0" lvl="0" indent="0">
               <a:buNone/>
             </a:pPr>
             <a:r>
-              <a:rPr/>
+              <a:t>Preliminary Results</a:t>
+            </a:r>
+          </a:p>
+        </p:txBody>
+      </p:sp>
+      <p:sp>
+        <p:nvSpPr>
+          <p:cNvPr id="4" name="Text Placeholder 3"/>
+          <p:cNvSpPr>
+            <a:spLocks noGrp="1"/>
+          </p:cNvSpPr>
+          <p:nvPr>
+            <p:ph type="body" sz="half" idx="2"/>
+          </p:nvPr>
+        </p:nvSpPr>
+        <p:spPr/>
+        <p:txBody>
+          <a:bodyPr/>
+          <a:lstStyle/>
+          <a:p>
+            <a:pPr marL="0" lvl="0" indent="0">
+              <a:buNone/>
+            </a:pPr>
+            <a:r>
               <a:t>Our preliminary results at the moment just involve running </a:t>
             </a:r>
             <a:r>
@@ -3382,14 +3501,55 @@
               <a:t>SLICER</a:t>
             </a:r>
             <a:r>
-              <a:rPr/>
-              <a:t>’s workflow on their own toy dataset.</a:t>
-            </a:r>
-          </a:p>
-        </p:txBody>
-      </p:sp>
+              <a:t>’s workflow on their own toy dataset. Please enjoy the following gif revealing cells along </a:t>
+            </a:r>
+            <a:r>
+              <a:rPr>
+                <a:latin typeface="Courier"/>
+              </a:rPr>
+              <a:t>SLICER</a:t>
+            </a:r>
+            <a:r>
+              <a:t>’s defined trajectory.</a:t>
+            </a:r>
+          </a:p>
+        </p:txBody>
+      </p:sp>
+      <p:pic>
+        <p:nvPicPr>
+          <p:cNvPr id="3" name="Picture 1" descr="SLICER_EXAMPLE.gif"/>
+          <p:cNvPicPr>
+            <a:picLocks noGrp="1" noChangeAspect="1"/>
+          </p:cNvPicPr>
+          <p:nvPr/>
+        </p:nvPicPr>
+        <p:blipFill>
+          <a:blip r:embed="rId2"/>
+          <a:stretch>
+            <a:fillRect/>
+          </a:stretch>
+        </p:blipFill>
+        <p:spPr bwMode="auto">
+          <a:xfrm>
+            <a:off x="3937000" y="203200"/>
+            <a:ext cx="4381500" cy="4381500"/>
+          </a:xfrm>
+          <a:prstGeom prst="rect">
+            <a:avLst/>
+          </a:prstGeom>
+          <a:noFill/>
+          <a:ln w="9525">
+            <a:noFill/>
+            <a:headEnd/>
+            <a:tailEnd/>
+          </a:ln>
+        </p:spPr>
+      </p:pic>
     </p:spTree>
   </p:cSld>
+  <p:clrMapOvr>
+    <a:masterClrMapping/>
+  </p:clrMapOvr>
 </p:sld>
 </file>
 
@@ -3425,11 +3585,10 @@
           <a:bodyPr/>
           <a:lstStyle/>
           <a:p>
-            <a:pPr lvl="0" indent="0" marL="0">
+            <a:pPr marL="0" lvl="0" indent="0">
               <a:buNone/>
             </a:pPr>
             <a:r>
-              <a:rPr/>
               <a:t>References</a:t>
             </a:r>
           </a:p>
@@ -3447,51 +3606,263 @@
         </p:nvSpPr>
         <p:spPr/>
         <p:txBody>
-          <a:bodyPr/>
-          <a:lstStyle/>
-          <a:p>
-            <a:pPr lvl="0" indent="0" marL="0">
-              <a:buNone/>
-            </a:pPr>
-            <a:r>
-              <a:rPr/>
+          <a:bodyPr>
+            <a:normAutofit fontScale="55000" lnSpcReduction="20000"/>
+          </a:bodyPr>
+          <a:lstStyle/>
+          <a:p>
+            <a:r>
+              <a:rPr dirty="0"/>
               <a:t>Love, Michael I., Wolfgang Huber, and Simon Anders. 2014. “Moderated Estimation of Fold Change and Dispersion for RNA-Seq Data with DESeq2” 15: 550. </a:t>
             </a:r>
             <a:r>
-              <a:rPr>
+              <a:rPr dirty="0">
                 <a:hlinkClick r:id="rId2"/>
               </a:rPr>
               <a:t>https://doi.org/10.1186/s13059-014-0550-8</a:t>
             </a:r>
             <a:r>
-              <a:rPr/>
+              <a:rPr dirty="0"/>
               <a:t>.</a:t>
             </a:r>
-          </a:p>
-          <a:p>
-            <a:pPr lvl="0" indent="0" marL="0">
-              <a:buNone/>
-            </a:pPr>
-            <a:r>
-              <a:rPr/>
-              <a:t>Welch, Joshua D., Alexander J. Hartemink, and Jan F. Prins. 2016. “SLICER: Inferring Branched, Nonlinear Cellular Trajectories from Single Cell RNA-Seq Data.” </a:t>
-            </a:r>
-            <a:r>
-              <a:rPr i="1"/>
-              <a:t>Genome Biology</a:t>
-            </a:r>
-            <a:r>
-              <a:rPr/>
-              <a:t> 17 (1). </a:t>
-            </a:r>
-            <a:r>
-              <a:rPr>
+            <a:endParaRPr lang="en-US" dirty="0"/>
+          </a:p>
+          <a:p>
+            <a:r>
+              <a:rPr dirty="0" err="1"/>
+              <a:t>Nestorowa</a:t>
+            </a:r>
+            <a:r>
+              <a:rPr dirty="0"/>
+              <a:t>, Sonia, Fiona K. </a:t>
+            </a:r>
+            <a:r>
+              <a:rPr dirty="0" err="1"/>
+              <a:t>Hamey</a:t>
+            </a:r>
+            <a:r>
+              <a:rPr dirty="0"/>
+              <a:t>, Blanca </a:t>
+            </a:r>
+            <a:r>
+              <a:rPr dirty="0" err="1"/>
+              <a:t>Pijuan</a:t>
+            </a:r>
+            <a:r>
+              <a:rPr dirty="0"/>
+              <a:t> Sala, Evangelia </a:t>
+            </a:r>
+            <a:r>
+              <a:rPr dirty="0" err="1"/>
+              <a:t>Diamanti</a:t>
+            </a:r>
+            <a:r>
+              <a:rPr dirty="0"/>
+              <a:t>, Mairi Shepherd, Elisa </a:t>
+            </a:r>
+            <a:r>
+              <a:rPr dirty="0" err="1"/>
+              <a:t>Laurenti</a:t>
+            </a:r>
+            <a:r>
+              <a:rPr dirty="0"/>
+              <a:t>, Nicola K. Wilson, David G. Kent, and Berthold </a:t>
+            </a:r>
+            <a:r>
+              <a:rPr dirty="0" err="1"/>
+              <a:t>Göttgens</a:t>
+            </a:r>
+            <a:r>
+              <a:rPr dirty="0"/>
+              <a:t>. 2016. “A Single-Cell Resolution Map of Mouse Hematopoietic Stem and Progenitor Cell Differentiation.” </a:t>
+            </a:r>
+            <a:r>
+              <a:rPr i="1" dirty="0"/>
+              <a:t>Blood</a:t>
+            </a:r>
+            <a:r>
+              <a:rPr dirty="0"/>
+              <a:t> 128 (8): e20–31. </a:t>
+            </a:r>
+            <a:r>
+              <a:rPr dirty="0">
                 <a:hlinkClick r:id="rId3"/>
               </a:rPr>
+              <a:t>https://doi.org/10.1182/blood-2016-05-716480</a:t>
+            </a:r>
+            <a:r>
+              <a:rPr dirty="0"/>
+              <a:t>.</a:t>
+            </a:r>
+            <a:endParaRPr lang="en-US" dirty="0"/>
+          </a:p>
+          <a:p>
+            <a:r>
+              <a:rPr dirty="0"/>
+              <a:t>Olsson, Andre, Meenakshi </a:t>
+            </a:r>
+            <a:r>
+              <a:rPr dirty="0" err="1"/>
+              <a:t>Venkatasubramanian</a:t>
+            </a:r>
+            <a:r>
+              <a:rPr dirty="0"/>
+              <a:t>, Viren K. </a:t>
+            </a:r>
+            <a:r>
+              <a:rPr dirty="0" err="1"/>
+              <a:t>Chaudhri</a:t>
+            </a:r>
+            <a:r>
+              <a:rPr dirty="0"/>
+              <a:t>, Bruce J. </a:t>
+            </a:r>
+            <a:r>
+              <a:rPr dirty="0" err="1"/>
+              <a:t>Aronow</a:t>
+            </a:r>
+            <a:r>
+              <a:rPr dirty="0"/>
+              <a:t>, Nathan </a:t>
+            </a:r>
+            <a:r>
+              <a:rPr dirty="0" err="1"/>
+              <a:t>Salomonis</a:t>
+            </a:r>
+            <a:r>
+              <a:rPr dirty="0"/>
+              <a:t>, </a:t>
+            </a:r>
+            <a:r>
+              <a:rPr dirty="0" err="1"/>
+              <a:t>Harinder</a:t>
+            </a:r>
+            <a:r>
+              <a:rPr dirty="0"/>
+              <a:t> Singh, and H. Leighton Grimes. 2016. “Single-Cell Analysis of Mixed-Lineage States Leading to a Binary Cell Fate Choice.” </a:t>
+            </a:r>
+            <a:r>
+              <a:rPr i="1" dirty="0"/>
+              <a:t>Nature</a:t>
+            </a:r>
+            <a:r>
+              <a:rPr dirty="0"/>
+              <a:t> 537 (7622): 698–702. </a:t>
+            </a:r>
+            <a:r>
+              <a:rPr dirty="0">
+                <a:hlinkClick r:id="rId4"/>
+              </a:rPr>
+              <a:t>https://doi.org/10.1038/nature19348</a:t>
+            </a:r>
+            <a:r>
+              <a:rPr dirty="0"/>
+              <a:t>.</a:t>
+            </a:r>
+            <a:endParaRPr lang="en-US" dirty="0"/>
+          </a:p>
+          <a:p>
+            <a:r>
+              <a:rPr dirty="0"/>
+              <a:t>Olsson, Andre, Meenakshi </a:t>
+            </a:r>
+            <a:r>
+              <a:rPr dirty="0" err="1"/>
+              <a:t>Venkatasubramanian</a:t>
+            </a:r>
+            <a:r>
+              <a:rPr dirty="0"/>
+              <a:t>, Virendra K. </a:t>
+            </a:r>
+            <a:r>
+              <a:rPr dirty="0" err="1"/>
+              <a:t>Chaudhri</a:t>
+            </a:r>
+            <a:r>
+              <a:rPr dirty="0"/>
+              <a:t>, Bruce J. </a:t>
+            </a:r>
+            <a:r>
+              <a:rPr dirty="0" err="1"/>
+              <a:t>Aronow</a:t>
+            </a:r>
+            <a:r>
+              <a:rPr dirty="0"/>
+              <a:t>, Nathan </a:t>
+            </a:r>
+            <a:r>
+              <a:rPr dirty="0" err="1"/>
+              <a:t>Salomonis</a:t>
+            </a:r>
+            <a:r>
+              <a:rPr dirty="0"/>
+              <a:t>, </a:t>
+            </a:r>
+            <a:r>
+              <a:rPr dirty="0" err="1"/>
+              <a:t>Harinder</a:t>
+            </a:r>
+            <a:r>
+              <a:rPr dirty="0"/>
+              <a:t> Singh, and H. Leighton Grimes. 2019. “Author Correction: Single-Cell Analysis of Mixed-Lineage States Leading to a Binary Cell Fate Choice.” </a:t>
+            </a:r>
+            <a:r>
+              <a:rPr i="1" dirty="0"/>
+              <a:t>Nature</a:t>
+            </a:r>
+            <a:r>
+              <a:rPr dirty="0"/>
+              <a:t> 569 (7755): E3–3. </a:t>
+            </a:r>
+            <a:r>
+              <a:rPr dirty="0">
+                <a:hlinkClick r:id="rId5"/>
+              </a:rPr>
+              <a:t>https://doi.org/10.1038/s41586-019-1107-5</a:t>
+            </a:r>
+            <a:r>
+              <a:rPr dirty="0"/>
+              <a:t>.</a:t>
+            </a:r>
+            <a:endParaRPr lang="en-US" dirty="0"/>
+          </a:p>
+          <a:p>
+            <a:r>
+              <a:rPr dirty="0"/>
+              <a:t>Welch, Joshua D., Alexander J. </a:t>
+            </a:r>
+            <a:r>
+              <a:rPr dirty="0" err="1"/>
+              <a:t>Hartemink</a:t>
+            </a:r>
+            <a:r>
+              <a:rPr dirty="0"/>
+              <a:t>, and Jan F. </a:t>
+            </a:r>
+            <a:r>
+              <a:rPr dirty="0" err="1"/>
+              <a:t>Prins</a:t>
+            </a:r>
+            <a:r>
+              <a:rPr dirty="0"/>
+              <a:t>. 2016. “SLICER: Inferring Branched, Nonlinear Cellular Trajectories from Single Cell RNA-Seq Data.” </a:t>
+            </a:r>
+            <a:r>
+              <a:rPr i="1" dirty="0"/>
+              <a:t>Genome Biology</a:t>
+            </a:r>
+            <a:r>
+              <a:rPr dirty="0"/>
+              <a:t> 17 (1). </a:t>
+            </a:r>
+            <a:r>
+              <a:rPr dirty="0">
+                <a:hlinkClick r:id="rId6"/>
+              </a:rPr>
               <a:t>https://doi.org/10.1186/s13059-016-0975-3</a:t>
             </a:r>
             <a:r>
-              <a:rPr/>
+              <a:rPr dirty="0"/>
               <a:t>.</a:t>
             </a:r>
           </a:p>
@@ -3499,224 +3870,9 @@
       </p:sp>
     </p:spTree>
   </p:cSld>
-</p:sld>
-</file>
-
-<file path=ppt/slides/slide14.xml><?xml version="1.0" encoding="utf-8"?>
-<p:sld xmlns:a="http://schemas.openxmlformats.org/drawingml/2006/main" xmlns:r="http://schemas.openxmlformats.org/officeDocument/2006/relationships" xmlns:p="http://schemas.openxmlformats.org/presentationml/2006/main">
-  <p:cSld>
-    <p:spTree>
-      <p:nvGrpSpPr>
-        <p:cNvPr id="1" name=""/>
-        <p:cNvGrpSpPr/>
-        <p:nvPr/>
-      </p:nvGrpSpPr>
-      <p:grpSpPr>
-        <a:xfrm>
-          <a:off x="0" y="0"/>
-          <a:ext cx="0" cy="0"/>
-          <a:chOff x="0" y="0"/>
-          <a:chExt cx="0" cy="0"/>
-        </a:xfrm>
-      </p:grpSpPr>
-      <p:sp>
-        <p:nvSpPr>
-          <p:cNvPr id="2" name="Title 1"/>
-          <p:cNvSpPr>
-            <a:spLocks noGrp="1"/>
-          </p:cNvSpPr>
-          <p:nvPr>
-            <p:ph type="title"/>
-          </p:nvPr>
-        </p:nvSpPr>
-        <p:spPr/>
-        <p:txBody>
-          <a:bodyPr/>
-          <a:lstStyle/>
-          <a:p>
-            <a:pPr lvl="0" indent="0" marL="0">
-              <a:buNone/>
-            </a:pPr>
-            <a:r>
-              <a:rPr/>
-              <a:t>Notes</a:t>
-            </a:r>
-          </a:p>
-        </p:txBody>
-      </p:sp>
-      <p:sp>
-        <p:nvSpPr>
-          <p:cNvPr id="3" name="Content Placeholder 2"/>
-          <p:cNvSpPr>
-            <a:spLocks noGrp="1"/>
-          </p:cNvSpPr>
-          <p:nvPr>
-            <p:ph idx="1"/>
-          </p:nvPr>
-        </p:nvSpPr>
-        <p:spPr/>
-        <p:txBody>
-          <a:bodyPr/>
-          <a:lstStyle/>
-          <a:p>
-            <a:pPr lvl="0" indent="0" marL="0">
-              <a:buNone/>
-            </a:pPr>
-            <a:r>
-              <a:rPr/>
-              <a:t>As a validation - Perform DE on data set against a known assigned labels (data set must be an RNAseq dataset as we do not know how to do DE with Cytoph – Natalie??)</a:t>
-            </a:r>
-          </a:p>
-          <a:p>
-            <a:pPr lvl="0"/>
-            <a:r>
-              <a:rPr/>
-              <a:t>Use SLICER Workflow</a:t>
-            </a:r>
-          </a:p>
-          <a:p>
-            <a:pPr lvl="1"/>
-            <a:r>
-              <a:rPr/>
-              <a:t>Potentially use Dimensional Reduction Prior to SLICER???</a:t>
-            </a:r>
-          </a:p>
-          <a:p>
-            <a:pPr lvl="2"/>
-            <a:r>
-              <a:rPr/>
-              <a:t>May make downstream results less interpretable.</a:t>
-            </a:r>
-          </a:p>
-          <a:p>
-            <a:pPr lvl="2"/>
-            <a:r>
-              <a:rPr/>
-              <a:t>Also, the paper expects unprocessed genes as input</a:t>
-            </a:r>
-          </a:p>
-          <a:p>
-            <a:pPr lvl="1"/>
-            <a:r>
-              <a:rPr/>
-              <a:t>To Understand about SLICER</a:t>
-            </a:r>
-          </a:p>
-          <a:p>
-            <a:pPr lvl="2"/>
-            <a:r>
-              <a:rPr/>
-              <a:t>☒ gene selection </a:t>
-            </a:r>
-            <a:r>
-              <a:rPr>
-                <a:latin typeface="Courier"/>
-              </a:rPr>
-              <a:t>select_genes()</a:t>
-            </a:r>
-          </a:p>
-          <a:p>
-            <a:pPr lvl="2"/>
-            <a:r>
-              <a:rPr/>
-              <a:t>☒ k selection for hull (</a:t>
-            </a:r>
-            <a:r>
-              <a:rPr>
-                <a:latin typeface="Courier"/>
-              </a:rPr>
-              <a:t>select_k()</a:t>
-            </a:r>
-            <a:r>
-              <a:rPr/>
-              <a:t>)</a:t>
-            </a:r>
-          </a:p>
-          <a:p>
-            <a:pPr lvl="2"/>
-            <a:r>
-              <a:rPr/>
-              <a:t>☒ entropy</a:t>
-            </a:r>
-          </a:p>
-          <a:p>
-            <a:pPr lvl="2"/>
-            <a:r>
-              <a:rPr/>
-              <a:t>☐ knn embeddings</a:t>
-            </a:r>
-          </a:p>
-          <a:p>
-            <a:pPr lvl="2"/>
-            <a:r>
-              <a:rPr/>
-              <a:t>☐ LLE</a:t>
-            </a:r>
-          </a:p>
-          <a:p>
-            <a:pPr lvl="0"/>
-            <a:r>
-              <a:rPr/>
-              <a:t>Correlate Geodesic entropy to cells to define junction points.</a:t>
-            </a:r>
-          </a:p>
-          <a:p>
-            <a:pPr lvl="1"/>
-            <a:r>
-              <a:rPr/>
-              <a:t>I am less convinced that we can do this portion.</a:t>
-            </a:r>
-          </a:p>
-          <a:p>
-            <a:pPr lvl="0"/>
-            <a:r>
-              <a:rPr/>
-              <a:t>Perform DE on cells within the Junction (definition of a junction still TBD)</a:t>
-            </a:r>
-          </a:p>
-          <a:p>
-            <a:pPr lvl="1"/>
-            <a:r>
-              <a:rPr/>
-              <a:t>Either use only the SLICER genes as input, or the whole geneset.</a:t>
-            </a:r>
-          </a:p>
-          <a:p>
-            <a:pPr lvl="0"/>
-            <a:r>
-              <a:rPr/>
-              <a:t>Ideally there will be biologically relevant DE genes within these groups.</a:t>
-            </a:r>
-          </a:p>
-          <a:p>
-            <a:pPr lvl="0" indent="0" marL="0">
-              <a:buNone/>
-            </a:pPr>
-            <a:r>
-              <a:rPr/>
-              <a:t>Alternatives: compare junction points to each other SLICER Branch</a:t>
-            </a:r>
-          </a:p>
-          <a:p>
-            <a:pPr lvl="0" indent="0" marL="0">
-              <a:buNone/>
-            </a:pPr>
-            <a:r>
-              <a:rPr/>
-              <a:t>Potentional Problems:</a:t>
-            </a:r>
-          </a:p>
-          <a:p>
-            <a:pPr lvl="0"/>
-            <a:r>
-              <a:rPr/>
-              <a:t>Junction sets may not include enough cells to have powered DE results.</a:t>
-            </a:r>
-          </a:p>
-        </p:txBody>
-      </p:sp>
-    </p:spTree>
-  </p:cSld>
+  <p:clrMapOvr>
+    <a:masterClrMapping/>
+  </p:clrMapOvr>
 </p:sld>
 </file>
 
@@ -3752,11 +3908,10 @@
           <a:bodyPr/>
           <a:lstStyle/>
           <a:p>
-            <a:pPr lvl="0" indent="0" marL="0">
+            <a:pPr marL="0" lvl="0" indent="0">
               <a:buNone/>
             </a:pPr>
             <a:r>
-              <a:rPr/>
               <a:t>Group Members</a:t>
             </a:r>
           </a:p>
@@ -3779,14 +3934,12 @@
           <a:p>
             <a:pPr lvl="0"/>
             <a:r>
-              <a:rPr/>
               <a:t>Justin Landis</a:t>
             </a:r>
           </a:p>
           <a:p>
             <a:pPr lvl="0"/>
             <a:r>
-              <a:rPr/>
               <a:t>Victor Adediwura</a:t>
             </a:r>
           </a:p>
@@ -3794,6 +3947,9 @@
       </p:sp>
     </p:spTree>
   </p:cSld>
+  <p:clrMapOvr>
+    <a:masterClrMapping/>
+  </p:clrMapOvr>
 </p:sld>
 </file>
 
@@ -3829,11 +3985,10 @@
           <a:bodyPr/>
           <a:lstStyle/>
           <a:p>
-            <a:pPr lvl="0" indent="0" marL="0">
+            <a:pPr marL="0" lvl="0" indent="0">
               <a:buNone/>
             </a:pPr>
             <a:r>
-              <a:rPr/>
               <a:t>Abstract</a:t>
             </a:r>
           </a:p>
@@ -3854,11 +4009,10 @@
           <a:bodyPr/>
           <a:lstStyle/>
           <a:p>
-            <a:pPr lvl="0" indent="0" marL="0">
+            <a:pPr marL="0" lvl="0" indent="0">
               <a:buNone/>
             </a:pPr>
             <a:r>
-              <a:rPr/>
               <a:t>SLICER is a method to select features (genes) to build a trajectory of cells. In Single Cell RNAseq (scRNAseq), this method may be helpful in the context of cell differentiation analyses. The goal of our project is to investigate Differential Expression (DE) approaches to the features selected by SLICER.</a:t>
             </a:r>
           </a:p>
@@ -3866,6 +4020,9 @@
       </p:sp>
     </p:spTree>
   </p:cSld>
+  <p:clrMapOvr>
+    <a:masterClrMapping/>
+  </p:clrMapOvr>
 </p:sld>
 </file>
 
@@ -3901,11 +4058,10 @@
           <a:bodyPr/>
           <a:lstStyle/>
           <a:p>
-            <a:pPr lvl="0" indent="0" marL="0">
+            <a:pPr marL="0" lvl="0" indent="0">
               <a:buNone/>
             </a:pPr>
             <a:r>
-              <a:rPr/>
               <a:t>Formal Statement of the Problem</a:t>
             </a:r>
           </a:p>
@@ -3926,11 +4082,10 @@
           <a:bodyPr/>
           <a:lstStyle/>
           <a:p>
-            <a:pPr lvl="0" indent="0" marL="0">
+            <a:pPr marL="0" lvl="0" indent="0">
               <a:buNone/>
             </a:pPr>
             <a:r>
-              <a:rPr/>
               <a:t>While SLICER automatically selects genes that are important for defining a trajectory among the data, it does not associate which features are most important to defined cell types. </a:t>
             </a:r>
           </a:p>
@@ -3938,6 +4093,9 @@
       </p:sp>
     </p:spTree>
   </p:cSld>
+  <p:clrMapOvr>
+    <a:masterClrMapping/>
+  </p:clrMapOvr>
 </p:sld>
 </file>
 
@@ -3968,16 +4126,20 @@
             <p:ph type="title"/>
           </p:nvPr>
         </p:nvSpPr>
-        <p:spPr/>
-        <p:txBody>
-          <a:bodyPr/>
-          <a:lstStyle/>
-          <a:p>
-            <a:pPr lvl="0" indent="0" marL="0">
+        <p:spPr>
+          <a:xfrm>
+            <a:off x="457201" y="204787"/>
+            <a:ext cx="3008313" cy="871538"/>
+          </a:xfrm>
+        </p:spPr>
+        <p:txBody>
+          <a:bodyPr/>
+          <a:lstStyle/>
+          <a:p>
+            <a:pPr marL="0" lvl="0" indent="0">
               <a:buNone/>
             </a:pPr>
             <a:r>
-              <a:rPr/>
               <a:t>Related Work</a:t>
             </a:r>
           </a:p>
@@ -3985,24 +4147,21 @@
       </p:sp>
       <p:sp>
         <p:nvSpPr>
-          <p:cNvPr id="3" name="Content Placeholder 2"/>
-          <p:cNvSpPr>
-            <a:spLocks noGrp="1"/>
-          </p:cNvSpPr>
-          <p:nvPr>
-            <p:ph idx="1"/>
-          </p:nvPr>
-        </p:nvSpPr>
-        <p:spPr/>
-        <p:txBody>
-          <a:bodyPr/>
-          <a:lstStyle/>
-          <a:p>
-            <a:pPr lvl="0" indent="0" marL="0">
-              <a:buNone/>
-            </a:pPr>
-            <a:r>
-              <a:rPr/>
+          <p:cNvPr id="4" name="Text Placeholder 3"/>
+          <p:cNvSpPr>
+            <a:spLocks noGrp="1"/>
+          </p:cNvSpPr>
+          <p:nvPr>
+            <p:ph type="body" sz="half" idx="2"/>
+          </p:nvPr>
+        </p:nvSpPr>
+        <p:spPr/>
+        <p:txBody>
+          <a:bodyPr/>
+          <a:lstStyle/>
+          <a:p>
+            <a:pPr lvl="0"/>
+            <a:r>
               <a:t>Directly related works are </a:t>
             </a:r>
             <a:r>
@@ -4012,9 +4171,11 @@
               <a:t>SLICER</a:t>
             </a:r>
             <a:r>
-              <a:rPr/>
-              <a:t> (Welch, Hartemink, and Prins 2016) and </a:t>
-            </a:r>
+              <a:t> (Welch, Hartemink, and Prins 2016)</a:t>
+            </a:r>
+          </a:p>
+          <a:p>
+            <a:pPr lvl="0"/>
             <a:r>
               <a:rPr>
                 <a:latin typeface="Courier"/>
@@ -4022,14 +4183,46 @@
               <a:t>DESeq2</a:t>
             </a:r>
             <a:r>
-              <a:rPr/>
               <a:t> (Love, Huber, and Anders 2014)</a:t>
             </a:r>
           </a:p>
         </p:txBody>
       </p:sp>
+      <p:pic>
+        <p:nvPicPr>
+          <p:cNvPr id="3" name="Picture 1" descr="slicer_workflow.png"/>
+          <p:cNvPicPr>
+            <a:picLocks noGrp="1" noChangeAspect="1"/>
+          </p:cNvPicPr>
+          <p:nvPr/>
+        </p:nvPicPr>
+        <p:blipFill>
+          <a:blip r:embed="rId2"/>
+          <a:stretch>
+            <a:fillRect/>
+          </a:stretch>
+        </p:blipFill>
+        <p:spPr bwMode="auto">
+          <a:xfrm>
+            <a:off x="3568700" y="812800"/>
+            <a:ext cx="5105400" cy="3162300"/>
+          </a:xfrm>
+          <a:prstGeom prst="rect">
+            <a:avLst/>
+          </a:prstGeom>
+          <a:noFill/>
+          <a:ln w="9525">
+            <a:noFill/>
+            <a:headEnd/>
+            <a:tailEnd/>
+          </a:ln>
+        </p:spPr>
+      </p:pic>
     </p:spTree>
   </p:cSld>
+  <p:clrMapOvr>
+    <a:masterClrMapping/>
+  </p:clrMapOvr>
 </p:sld>
 </file>
 
@@ -4065,11 +4258,10 @@
           <a:bodyPr/>
           <a:lstStyle/>
           <a:p>
-            <a:pPr lvl="0" indent="0" marL="0">
+            <a:pPr marL="0" lvl="0" indent="0">
               <a:buNone/>
             </a:pPr>
             <a:r>
-              <a:rPr/>
               <a:t>Contributions</a:t>
             </a:r>
           </a:p>
@@ -4090,11 +4282,10 @@
           <a:bodyPr/>
           <a:lstStyle/>
           <a:p>
-            <a:pPr lvl="0" indent="0" marL="0">
+            <a:pPr marL="0" lvl="0" indent="0">
               <a:buNone/>
             </a:pPr>
             <a:r>
-              <a:rPr/>
               <a:t>The overall goal of our work is to identify if performing DE based on branches assignments by SLICER will lead to biologically significant results.</a:t>
             </a:r>
           </a:p>
@@ -4102,6 +4293,9 @@
       </p:sp>
     </p:spTree>
   </p:cSld>
+  <p:clrMapOvr>
+    <a:masterClrMapping/>
+  </p:clrMapOvr>
 </p:sld>
 </file>
 
@@ -4137,11 +4331,10 @@
           <a:bodyPr/>
           <a:lstStyle/>
           <a:p>
-            <a:pPr lvl="0" indent="0" marL="0">
+            <a:pPr marL="0" lvl="0" indent="0">
               <a:buNone/>
             </a:pPr>
             <a:r>
-              <a:rPr/>
               <a:t>Datasets</a:t>
             </a:r>
           </a:p>
@@ -4162,11 +4355,10 @@
           <a:bodyPr/>
           <a:lstStyle/>
           <a:p>
-            <a:pPr lvl="0" indent="0" marL="0">
+            <a:pPr marL="0" lvl="0" indent="0">
               <a:buNone/>
             </a:pPr>
             <a:r>
-              <a:rPr/>
               <a:t>We will be using data sets from </a:t>
             </a:r>
             <a:r>
@@ -4176,14 +4368,28 @@
               <a:t>Single-cell dattasets for temporal gene expression integration</a:t>
             </a:r>
             <a:r>
-              <a:rPr/>
               <a:t>, specifically utilizing a few Hematopoiesis differentiation dataset (as there are 2).</a:t>
+            </a:r>
+          </a:p>
+          <a:p>
+            <a:pPr lvl="0"/>
+            <a:r>
+              <a:t>(Nestorowa et al. 2016)</a:t>
+            </a:r>
+          </a:p>
+          <a:p>
+            <a:pPr lvl="0"/>
+            <a:r>
+              <a:t>(Olsson et al. 2016); (Olsson et al. 2019)</a:t>
             </a:r>
           </a:p>
         </p:txBody>
       </p:sp>
     </p:spTree>
   </p:cSld>
+  <p:clrMapOvr>
+    <a:masterClrMapping/>
+  </p:clrMapOvr>
 </p:sld>
 </file>
 
@@ -4219,11 +4425,10 @@
           <a:bodyPr/>
           <a:lstStyle/>
           <a:p>
-            <a:pPr lvl="0" indent="0" marL="0">
+            <a:pPr marL="0" lvl="0" indent="0">
               <a:buNone/>
             </a:pPr>
             <a:r>
-              <a:rPr/>
               <a:t>Intended Experiments</a:t>
             </a:r>
           </a:p>
@@ -4244,82 +4449,20 @@
           <a:bodyPr/>
           <a:lstStyle/>
           <a:p>
-            <a:pPr lvl="0" indent="0" marL="0">
+            <a:pPr marL="0" lvl="0" indent="0">
               <a:buNone/>
             </a:pPr>
             <a:r>
-              <a:rPr/>
               <a:t>As a validation, we will perform Differential Expression analysis on input data prior to SLICER and then compare the results of the same DE pipeline, except only on features selected by SLICER. In practicality, this requires a dataset with some experimental labels which will be used for differential expression comparisons.</a:t>
-            </a:r>
-          </a:p>
-          <a:p>
-            <a:pPr lvl="0" indent="0" marL="0">
-              <a:buNone/>
-            </a:pPr>
-            <a:r>
-              <a:rPr/>
-              <a:t>Validation Results:</a:t>
-            </a:r>
-          </a:p>
-          <a:p>
-            <a:pPr lvl="0"/>
-            <a:r>
-              <a:rPr/>
-              <a:t>DE on ALL Features, comparing against original experimental labels</a:t>
-            </a:r>
-          </a:p>
-          <a:p>
-            <a:pPr lvl="0" indent="0" marL="0">
-              <a:buNone/>
-            </a:pPr>
-            <a:r>
-              <a:rPr/>
-              <a:t>Experiments:</a:t>
-            </a:r>
-          </a:p>
-          <a:p>
-            <a:pPr lvl="0"/>
-            <a:r>
-              <a:rPr/>
-              <a:t>DE on SLICER Features, comparing against original experimental labels</a:t>
-            </a:r>
-          </a:p>
-          <a:p>
-            <a:pPr lvl="0"/>
-            <a:r>
-              <a:rPr/>
-              <a:t>DE on SLICER Features, comparing against SLICER branch labels</a:t>
-            </a:r>
-          </a:p>
-          <a:p>
-            <a:pPr lvl="0"/>
-            <a:r>
-              <a:rPr/>
-              <a:t>DE on ALL Features, comparing against SLICER branch labels</a:t>
-            </a:r>
-          </a:p>
-          <a:p>
-            <a:pPr lvl="0" indent="0" marL="0">
-              <a:buNone/>
-            </a:pPr>
-            <a:r>
-              <a:rPr/>
-              <a:t>In experiments where SLICER Features are used, we intend to do a set comparison between DE genes in validation versus the experiment.</a:t>
-            </a:r>
-          </a:p>
-          <a:p>
-            <a:pPr lvl="0" indent="0" marL="0">
-              <a:buNone/>
-            </a:pPr>
-            <a:r>
-              <a:rPr/>
-              <a:t>In experiments where SLICER branch labels are used, we NMI to assess if branches correspond to experimental labels (they may not!)</a:t>
             </a:r>
           </a:p>
         </p:txBody>
       </p:sp>
     </p:spTree>
   </p:cSld>
+  <p:clrMapOvr>
+    <a:masterClrMapping/>
+  </p:clrMapOvr>
 </p:sld>
 </file>
 
@@ -4355,12 +4498,11 @@
           <a:bodyPr/>
           <a:lstStyle/>
           <a:p>
-            <a:pPr lvl="0" indent="0" marL="0">
+            <a:pPr marL="0" lvl="0" indent="0">
               <a:buNone/>
             </a:pPr>
             <a:r>
-              <a:rPr/>
-              <a:t>Expected Challenges</a:t>
+              <a:t>Intended Experiments Continued</a:t>
             </a:r>
           </a:p>
         </p:txBody>
@@ -4377,90 +4519,73 @@
         </p:nvSpPr>
         <p:spPr/>
         <p:txBody>
-          <a:bodyPr/>
-          <a:lstStyle/>
-          <a:p>
-            <a:pPr lvl="0" indent="0" marL="0">
+          <a:bodyPr>
+            <a:normAutofit fontScale="85000" lnSpcReduction="10000"/>
+          </a:bodyPr>
+          <a:lstStyle/>
+          <a:p>
+            <a:pPr marL="0" lvl="0" indent="0">
               <a:buNone/>
             </a:pPr>
             <a:r>
-              <a:rPr/>
-              <a:t>Immediate challenges will be the disparity between softwares. Data is stored in a </a:t>
-            </a:r>
-            <a:r>
-              <a:rPr>
-                <a:latin typeface="Courier"/>
-              </a:rPr>
-              <a:t>h5ad</a:t>
-            </a:r>
-            <a:r>
-              <a:rPr/>
-              <a:t> format that can be read into memory via </a:t>
-            </a:r>
-            <a:r>
-              <a:rPr>
-                <a:latin typeface="Courier"/>
-              </a:rPr>
-              <a:t>scanpy.read_h5ad(...)</a:t>
-            </a:r>
-            <a:r>
-              <a:rPr/>
-              <a:t>. However </a:t>
-            </a:r>
-            <a:r>
-              <a:rPr>
-                <a:latin typeface="Courier"/>
-              </a:rPr>
-              <a:t>SLICER</a:t>
-            </a:r>
-            <a:r>
-              <a:rPr/>
-              <a:t> is implemented in R and will need to be locally installed as it was </a:t>
-            </a:r>
-            <a:r>
-              <a:rPr>
-                <a:hlinkClick r:id="rId2"/>
-              </a:rPr>
-              <a:t>removed from CRAN</a:t>
-            </a:r>
-            <a:r>
-              <a:rPr/>
-              <a:t> in </a:t>
-            </a:r>
-            <a:r>
-              <a:rPr>
-                <a:latin typeface="Courier"/>
-              </a:rPr>
-              <a:t>2022</a:t>
-            </a:r>
-            <a:r>
-              <a:rPr/>
-              <a:t>.</a:t>
-            </a:r>
-          </a:p>
-          <a:p>
-            <a:pPr lvl="0" indent="0" marL="0">
+              <a:t>Validation Results:</a:t>
+            </a:r>
+          </a:p>
+          <a:p>
+            <a:pPr lvl="0"/>
+            <a:r>
+              <a:t>DE on ALL Features, comparing against original experimental labels</a:t>
+            </a:r>
+          </a:p>
+          <a:p>
+            <a:pPr marL="0" lvl="0" indent="0">
               <a:buNone/>
             </a:pPr>
             <a:r>
-              <a:rPr/>
-              <a:t>Furthermore, branch assignments seem to be based on the Dimensionality Reduction of </a:t>
-            </a:r>
-            <a:r>
-              <a:rPr>
-                <a:latin typeface="Courier"/>
-              </a:rPr>
-              <a:t>LLE</a:t>
-            </a:r>
-            <a:r>
-              <a:rPr/>
-              <a:t>, but the actual trajectories through the graph may bounce between branch assignments (see Preliminary Results). Additionally, there is no guarantee to the size of branch assignments given by SLICER. Assuming one branch is sufficiently small, this may lead to under powered DE results. DE results may not be comparable to SLICER results due to the nature of SLICER feature selection (selecting genes with low neighborhood variance versus global variance).</a:t>
+              <a:t>Experiments:</a:t>
+            </a:r>
+          </a:p>
+          <a:p>
+            <a:pPr lvl="0"/>
+            <a:r>
+              <a:t>DE on SLICER Features, comparing against original experimental labels</a:t>
+            </a:r>
+          </a:p>
+          <a:p>
+            <a:pPr lvl="0"/>
+            <a:r>
+              <a:t>DE on SLICER Features, comparing against SLICER branch labels</a:t>
+            </a:r>
+          </a:p>
+          <a:p>
+            <a:pPr lvl="0"/>
+            <a:r>
+              <a:t>DE on ALL Features, comparing against SLICER branch labels</a:t>
+            </a:r>
+          </a:p>
+          <a:p>
+            <a:pPr marL="0" lvl="0" indent="0">
+              <a:buNone/>
+            </a:pPr>
+            <a:r>
+              <a:t>In experiments where SLICER Features are used, we intend to do a set comparison between DE genes in validation versus the experiment.</a:t>
+            </a:r>
+          </a:p>
+          <a:p>
+            <a:pPr marL="0" lvl="0" indent="0">
+              <a:buNone/>
+            </a:pPr>
+            <a:r>
+              <a:t>In experiments where SLICER branch labels are used, we NMI to assess if branches correspond to experimental labels (they may not!)</a:t>
             </a:r>
           </a:p>
         </p:txBody>
       </p:sp>
     </p:spTree>
   </p:cSld>
+  <p:clrMapOvr>
+    <a:masterClrMapping/>
+  </p:clrMapOvr>
 </p:sld>
 </file>
 
@@ -4782,265 +4907,4 @@
   </a:objectDefaults>
   <a:extraClrSchemeLst/>
 </a:theme>
-</file>
-
-<file path=ppt/theme/theme2.xml><?xml version="1.0" encoding="utf-8"?>
-<a:theme xmlns:a="http://schemas.openxmlformats.org/drawingml/2006/main" name="Office Theme">
-  <a:themeElements>
-    <a:clrScheme name="Office">
-      <a:dk1>
-        <a:sysClr val="windowText" lastClr="000000"/>
-      </a:dk1>
-      <a:lt1>
-        <a:sysClr val="window" lastClr="FFFFFF"/>
-      </a:lt1>
-      <a:dk2>
-        <a:srgbClr val="44546A"/>
-      </a:dk2>
-      <a:lt2>
-        <a:srgbClr val="E7E6E6"/>
-      </a:lt2>
-      <a:accent1>
-        <a:srgbClr val="5B9BD5"/>
-      </a:accent1>
-      <a:accent2>
-        <a:srgbClr val="ED7D31"/>
-      </a:accent2>
-      <a:accent3>
-        <a:srgbClr val="A5A5A5"/>
-      </a:accent3>
-      <a:accent4>
-        <a:srgbClr val="FFC000"/>
-      </a:accent4>
-      <a:accent5>
-        <a:srgbClr val="4472C4"/>
-      </a:accent5>
-      <a:accent6>
-        <a:srgbClr val="70AD47"/>
-      </a:accent6>
-      <a:hlink>
-        <a:srgbClr val="0563C1"/>
-      </a:hlink>
-      <a:folHlink>
-        <a:srgbClr val="954F72"/>
-      </a:folHlink>
-    </a:clrScheme>
-    <a:fontScheme name="Office">
-      <a:majorFont>
-        <a:latin typeface="Calibri Light" panose="020F0302020204030204"/>
-        <a:ea typeface=""/>
-        <a:cs typeface=""/>
-        <a:font script="Jpan" typeface="ＭＳ Ｐゴシック"/>
-        <a:font script="Hang" typeface="맑은 고딕"/>
-        <a:font script="Hans" typeface="宋体"/>
-        <a:font script="Hant" typeface="新細明體"/>
-        <a:font script="Arab" typeface="Times New Roman"/>
-        <a:font script="Hebr" typeface="Times New Roman"/>
-        <a:font script="Thai" typeface="Angsana New"/>
-        <a:font script="Ethi" typeface="Nyala"/>
-        <a:font script="Beng" typeface="Vrinda"/>
-        <a:font script="Gujr" typeface="Shruti"/>
-        <a:font script="Khmr" typeface="MoolBoran"/>
-        <a:font script="Knda" typeface="Tunga"/>
-        <a:font script="Guru" typeface="Raavi"/>
-        <a:font script="Cans" typeface="Euphemia"/>
-        <a:font script="Cher" typeface="Plantagenet Cherokee"/>
-        <a:font script="Yiii" typeface="Microsoft Yi Baiti"/>
-        <a:font script="Tibt" typeface="Microsoft Himalaya"/>
-        <a:font script="Thaa" typeface="MV Boli"/>
-        <a:font script="Deva" typeface="Mangal"/>
-        <a:font script="Telu" typeface="Gautami"/>
-        <a:font script="Taml" typeface="Latha"/>
-        <a:font script="Syrc" typeface="Estrangelo Edessa"/>
-        <a:font script="Orya" typeface="Kalinga"/>
-        <a:font script="Mlym" typeface="Kartika"/>
-        <a:font script="Laoo" typeface="DokChampa"/>
-        <a:font script="Sinh" typeface="Iskoola Pota"/>
-        <a:font script="Mong" typeface="Mongolian Baiti"/>
-        <a:font script="Viet" typeface="Times New Roman"/>
-        <a:font script="Uigh" typeface="Microsoft Uighur"/>
-        <a:font script="Geor" typeface="Sylfaen"/>
-      </a:majorFont>
-      <a:minorFont>
-        <a:latin typeface="Calibri" panose="020F0502020204030204"/>
-        <a:ea typeface=""/>
-        <a:cs typeface=""/>
-        <a:font script="Jpan" typeface="ＭＳ Ｐゴシック"/>
-        <a:font script="Hang" typeface="맑은 고딕"/>
-        <a:font script="Hans" typeface="宋体"/>
-        <a:font script="Hant" typeface="新細明體"/>
-        <a:font script="Arab" typeface="Arial"/>
-        <a:font script="Hebr" typeface="Arial"/>
-        <a:font script="Thai" typeface="Cordia New"/>
-        <a:font script="Ethi" typeface="Nyala"/>
-        <a:font script="Beng" typeface="Vrinda"/>
-        <a:font script="Gujr" typeface="Shruti"/>
-        <a:font script="Khmr" typeface="DaunPenh"/>
-        <a:font script="Knda" typeface="Tunga"/>
-        <a:font script="Guru" typeface="Raavi"/>
-        <a:font script="Cans" typeface="Euphemia"/>
-        <a:font script="Cher" typeface="Plantagenet Cherokee"/>
-        <a:font script="Yiii" typeface="Microsoft Yi Baiti"/>
-        <a:font script="Tibt" typeface="Microsoft Himalaya"/>
-        <a:font script="Thaa" typeface="MV Boli"/>
-        <a:font script="Deva" typeface="Mangal"/>
-        <a:font script="Telu" typeface="Gautami"/>
-        <a:font script="Taml" typeface="Latha"/>
-        <a:font script="Syrc" typeface="Estrangelo Edessa"/>
-        <a:font script="Orya" typeface="Kalinga"/>
-        <a:font script="Mlym" typeface="Kartika"/>
-        <a:font script="Laoo" typeface="DokChampa"/>
-        <a:font script="Sinh" typeface="Iskoola Pota"/>
-        <a:font script="Mong" typeface="Mongolian Baiti"/>
-        <a:font script="Viet" typeface="Arial"/>
-        <a:font script="Uigh" typeface="Microsoft Uighur"/>
-        <a:font script="Geor" typeface="Sylfaen"/>
-      </a:minorFont>
-    </a:fontScheme>
-    <a:fmtScheme name="Office">
-      <a:fillStyleLst>
-        <a:solidFill>
-          <a:schemeClr val="phClr"/>
-        </a:solidFill>
-        <a:gradFill rotWithShape="1">
-          <a:gsLst>
-            <a:gs pos="0">
-              <a:schemeClr val="phClr">
-                <a:lumMod val="110000"/>
-                <a:satMod val="105000"/>
-                <a:tint val="67000"/>
-              </a:schemeClr>
-            </a:gs>
-            <a:gs pos="50000">
-              <a:schemeClr val="phClr">
-                <a:lumMod val="105000"/>
-                <a:satMod val="103000"/>
-                <a:tint val="73000"/>
-              </a:schemeClr>
-            </a:gs>
-            <a:gs pos="100000">
-              <a:schemeClr val="phClr">
-                <a:lumMod val="105000"/>
-                <a:satMod val="109000"/>
-                <a:tint val="81000"/>
-              </a:schemeClr>
-            </a:gs>
-          </a:gsLst>
-          <a:lin ang="5400000" scaled="0"/>
-        </a:gradFill>
-        <a:gradFill rotWithShape="1">
-          <a:gsLst>
-            <a:gs pos="0">
-              <a:schemeClr val="phClr">
-                <a:satMod val="103000"/>
-                <a:lumMod val="102000"/>
-                <a:tint val="94000"/>
-              </a:schemeClr>
-            </a:gs>
-            <a:gs pos="50000">
-              <a:schemeClr val="phClr">
-                <a:satMod val="110000"/>
-                <a:lumMod val="100000"/>
-                <a:shade val="100000"/>
-              </a:schemeClr>
-            </a:gs>
-            <a:gs pos="100000">
-              <a:schemeClr val="phClr">
-                <a:lumMod val="99000"/>
-                <a:satMod val="120000"/>
-                <a:shade val="78000"/>
-              </a:schemeClr>
-            </a:gs>
-          </a:gsLst>
-          <a:lin ang="5400000" scaled="0"/>
-        </a:gradFill>
-      </a:fillStyleLst>
-      <a:lnStyleLst>
-        <a:ln w="6350" cap="flat" cmpd="sng" algn="ctr">
-          <a:solidFill>
-            <a:schemeClr val="phClr"/>
-          </a:solidFill>
-          <a:prstDash val="solid"/>
-          <a:miter lim="800000"/>
-        </a:ln>
-        <a:ln w="12700" cap="flat" cmpd="sng" algn="ctr">
-          <a:solidFill>
-            <a:schemeClr val="phClr"/>
-          </a:solidFill>
-          <a:prstDash val="solid"/>
-          <a:miter lim="800000"/>
-        </a:ln>
-        <a:ln w="19050" cap="flat" cmpd="sng" algn="ctr">
-          <a:solidFill>
-            <a:schemeClr val="phClr"/>
-          </a:solidFill>
-          <a:prstDash val="solid"/>
-          <a:miter lim="800000"/>
-        </a:ln>
-      </a:lnStyleLst>
-      <a:effectStyleLst>
-        <a:effectStyle>
-          <a:effectLst/>
-        </a:effectStyle>
-        <a:effectStyle>
-          <a:effectLst/>
-        </a:effectStyle>
-        <a:effectStyle>
-          <a:effectLst>
-            <a:outerShdw blurRad="57150" dist="19050" dir="5400000" algn="ctr" rotWithShape="0">
-              <a:srgbClr val="000000">
-                <a:alpha val="63000"/>
-              </a:srgbClr>
-            </a:outerShdw>
-          </a:effectLst>
-        </a:effectStyle>
-      </a:effectStyleLst>
-      <a:bgFillStyleLst>
-        <a:solidFill>
-          <a:schemeClr val="phClr"/>
-        </a:solidFill>
-        <a:solidFill>
-          <a:schemeClr val="phClr">
-            <a:tint val="95000"/>
-            <a:satMod val="170000"/>
-          </a:schemeClr>
-        </a:solidFill>
-        <a:gradFill rotWithShape="1">
-          <a:gsLst>
-            <a:gs pos="0">
-              <a:schemeClr val="phClr">
-                <a:tint val="93000"/>
-                <a:satMod val="150000"/>
-                <a:shade val="98000"/>
-                <a:lumMod val="102000"/>
-              </a:schemeClr>
-            </a:gs>
-            <a:gs pos="50000">
-              <a:schemeClr val="phClr">
-                <a:tint val="98000"/>
-                <a:satMod val="130000"/>
-                <a:shade val="90000"/>
-                <a:lumMod val="103000"/>
-              </a:schemeClr>
-            </a:gs>
-            <a:gs pos="100000">
-              <a:schemeClr val="phClr">
-                <a:shade val="63000"/>
-                <a:satMod val="120000"/>
-              </a:schemeClr>
-            </a:gs>
-          </a:gsLst>
-          <a:lin ang="5400000" scaled="0"/>
-        </a:gradFill>
-      </a:bgFillStyleLst>
-    </a:fmtScheme>
-  </a:themeElements>
-  <a:objectDefaults/>
-  <a:extraClrSchemeLst/>
-  <a:extLst>
-    <a:ext uri="{05A4C25C-085E-4340-85A3-A5531E510DB2}">
-      <thm15:themeFamily xmlns:thm15="http://schemas.microsoft.com/office/thememl/2012/main" name="Office Theme" id="{62F939B6-93AF-4DB8-9C6B-D6C7DFDC589F}" vid="{4A3C46E8-61CC-4603-A589-7422A47A8E4A}"/>
-    </a:ext>
-  </a:extLst>
-</a:theme>
 </file>